--- a/ppt/算法讲解164【挺难】Kruskal重构树的原理和相关题目.pptx
+++ b/ppt/算法讲解164【挺难】Kruskal重构树的原理和相关题目.pptx
@@ -5687,71 +5687,71 @@
               </a:defRPr>
             </a:pPr>
             <a:r>
-              <a:t>一共有q条操作，每条操作都是如下的三种类型中的一种</a:t>
-            </a:r>
-          </a:p>
-          <a:p>
-            <a:pPr algn="l" defTabSz="457200">
-              <a:defRPr sz="3600">
-                <a:solidFill>
-                  <a:srgbClr val="000000"/>
-                </a:solidFill>
-                <a:latin typeface="Monaco"/>
-                <a:ea typeface="Monaco"/>
-                <a:cs typeface="Monaco"/>
-                <a:sym typeface="Monaco"/>
-              </a:defRPr>
-            </a:pPr>
-            <a:r>
-              <a:t>操作 1 x   : 限制变量limit，把limit的值改成x</a:t>
-            </a:r>
-          </a:p>
-          <a:p>
-            <a:pPr algn="l" defTabSz="457200">
-              <a:defRPr sz="3600">
-                <a:solidFill>
-                  <a:srgbClr val="000000"/>
-                </a:solidFill>
-                <a:latin typeface="Monaco"/>
-                <a:ea typeface="Monaco"/>
-                <a:cs typeface="Monaco"/>
-                <a:sym typeface="Monaco"/>
-              </a:defRPr>
-            </a:pPr>
-            <a:r>
-              <a:t>操作 2 x   : 点x不能走过任何边权小于limit的边，打印此时x所在的连通区域大小</a:t>
-            </a:r>
-          </a:p>
-          <a:p>
-            <a:pPr algn="l" defTabSz="457200">
-              <a:defRPr sz="3600">
-                <a:solidFill>
-                  <a:srgbClr val="000000"/>
-                </a:solidFill>
-                <a:latin typeface="Monaco"/>
-                <a:ea typeface="Monaco"/>
-                <a:cs typeface="Monaco"/>
-                <a:sym typeface="Monaco"/>
-              </a:defRPr>
-            </a:pPr>
-            <a:r>
-              <a:t>操作 3 x y : 第x条边的边权修改为y，题目保证修改之后，第x条边的边权排名不变</a:t>
-            </a:r>
-          </a:p>
-          <a:p>
-            <a:pPr algn="l" defTabSz="457200">
-              <a:defRPr sz="3600">
-                <a:solidFill>
-                  <a:srgbClr val="000000"/>
-                </a:solidFill>
-                <a:latin typeface="Monaco"/>
-                <a:ea typeface="Monaco"/>
-                <a:cs typeface="Monaco"/>
-                <a:sym typeface="Monaco"/>
-              </a:defRPr>
-            </a:pPr>
-            <a:r>
-              <a:t>1 &lt;= n、m、q &lt;= 4 * 10^5</a:t>
+              <a:t>一开始limit = 0，接下来有q条操作，每条操作都是如下的三种类型中的一种</a:t>
+            </a:r>
+          </a:p>
+          <a:p>
+            <a:pPr algn="l" defTabSz="457200">
+              <a:defRPr sz="3600">
+                <a:solidFill>
+                  <a:srgbClr val="000000"/>
+                </a:solidFill>
+                <a:latin typeface="Monaco"/>
+                <a:ea typeface="Monaco"/>
+                <a:cs typeface="Monaco"/>
+                <a:sym typeface="Monaco"/>
+              </a:defRPr>
+            </a:pPr>
+            <a:r>
+              <a:t>操作 1 x   : 所有修改操作生效，然后limit变成x，图中那些边权小于limit的边断开</a:t>
+            </a:r>
+          </a:p>
+          <a:p>
+            <a:pPr algn="l" defTabSz="457200">
+              <a:defRPr sz="3600">
+                <a:solidFill>
+                  <a:srgbClr val="000000"/>
+                </a:solidFill>
+                <a:latin typeface="Monaco"/>
+                <a:ea typeface="Monaco"/>
+                <a:cs typeface="Monaco"/>
+                <a:sym typeface="Monaco"/>
+              </a:defRPr>
+            </a:pPr>
+            <a:r>
+              <a:t>操作 2 x   : 查询点x所在连通区域大小</a:t>
+            </a:r>
+          </a:p>
+          <a:p>
+            <a:pPr algn="l" defTabSz="457200">
+              <a:defRPr sz="3600">
+                <a:solidFill>
+                  <a:srgbClr val="000000"/>
+                </a:solidFill>
+                <a:latin typeface="Monaco"/>
+                <a:ea typeface="Monaco"/>
+                <a:cs typeface="Monaco"/>
+                <a:sym typeface="Monaco"/>
+              </a:defRPr>
+            </a:pPr>
+            <a:r>
+              <a:t>操作 3 x y : 第x条边的边权修改为y，但不是立刻生效，而是下次limit改变时生效</a:t>
+            </a:r>
+          </a:p>
+          <a:p>
+            <a:pPr algn="l" defTabSz="457200">
+              <a:defRPr sz="3600">
+                <a:solidFill>
+                  <a:srgbClr val="000000"/>
+                </a:solidFill>
+                <a:latin typeface="Monaco"/>
+                <a:ea typeface="Monaco"/>
+                <a:cs typeface="Monaco"/>
+                <a:sym typeface="Monaco"/>
+              </a:defRPr>
+            </a:pPr>
+            <a:r>
+              <a:t>题目保证边权不管怎么修改，所有边权都不相等，并且每条边的边权排名不发生变化</a:t>
             </a:r>
           </a:p>
           <a:p>

--- a/ppt/算法讲解164【挺难】Kruskal重构树的原理和相关题目.pptx
+++ b/ppt/算法讲解164【挺难】Kruskal重构树的原理和相关题目.pptx
@@ -5687,71 +5687,71 @@
               </a:defRPr>
             </a:pPr>
             <a:r>
-              <a:t>一开始limit = 0，接下来有q条操作，每条操作都是如下的三种类型中的一种</a:t>
-            </a:r>
-          </a:p>
-          <a:p>
-            <a:pPr algn="l" defTabSz="457200">
-              <a:defRPr sz="3600">
-                <a:solidFill>
-                  <a:srgbClr val="000000"/>
-                </a:solidFill>
-                <a:latin typeface="Monaco"/>
-                <a:ea typeface="Monaco"/>
-                <a:cs typeface="Monaco"/>
-                <a:sym typeface="Monaco"/>
-              </a:defRPr>
-            </a:pPr>
-            <a:r>
-              <a:t>操作 1 x   : 所有修改操作生效，然后limit变成x，图中那些边权小于limit的边断开</a:t>
-            </a:r>
-          </a:p>
-          <a:p>
-            <a:pPr algn="l" defTabSz="457200">
-              <a:defRPr sz="3600">
-                <a:solidFill>
-                  <a:srgbClr val="000000"/>
-                </a:solidFill>
-                <a:latin typeface="Monaco"/>
-                <a:ea typeface="Monaco"/>
-                <a:cs typeface="Monaco"/>
-                <a:sym typeface="Monaco"/>
-              </a:defRPr>
-            </a:pPr>
-            <a:r>
-              <a:t>操作 2 x   : 查询点x所在连通区域大小</a:t>
-            </a:r>
-          </a:p>
-          <a:p>
-            <a:pPr algn="l" defTabSz="457200">
-              <a:defRPr sz="3600">
-                <a:solidFill>
-                  <a:srgbClr val="000000"/>
-                </a:solidFill>
-                <a:latin typeface="Monaco"/>
-                <a:ea typeface="Monaco"/>
-                <a:cs typeface="Monaco"/>
-                <a:sym typeface="Monaco"/>
-              </a:defRPr>
-            </a:pPr>
-            <a:r>
-              <a:t>操作 3 x y : 第x条边的边权修改为y，但不是立刻生效，而是下次limit改变时生效</a:t>
-            </a:r>
-          </a:p>
-          <a:p>
-            <a:pPr algn="l" defTabSz="457200">
-              <a:defRPr sz="3600">
-                <a:solidFill>
-                  <a:srgbClr val="000000"/>
-                </a:solidFill>
-                <a:latin typeface="Monaco"/>
-                <a:ea typeface="Monaco"/>
-                <a:cs typeface="Monaco"/>
-                <a:sym typeface="Monaco"/>
-              </a:defRPr>
-            </a:pPr>
-            <a:r>
-              <a:t>题目保证边权不管怎么修改，所有边权都不相等，并且每条边的边权排名不发生变化</a:t>
+              <a:t>一开始limit = 0，接下来有q条操作，每种操作的格式如下</a:t>
+            </a:r>
+          </a:p>
+          <a:p>
+            <a:pPr algn="l" defTabSz="457200">
+              <a:defRPr sz="3600">
+                <a:solidFill>
+                  <a:srgbClr val="000000"/>
+                </a:solidFill>
+                <a:latin typeface="Monaco"/>
+                <a:ea typeface="Monaco"/>
+                <a:cs typeface="Monaco"/>
+                <a:sym typeface="Monaco"/>
+              </a:defRPr>
+            </a:pPr>
+            <a:r>
+              <a:t>操作 1 x   : 所有修改操作生效，然后limit设置成x</a:t>
+            </a:r>
+          </a:p>
+          <a:p>
+            <a:pPr algn="l" defTabSz="457200">
+              <a:defRPr sz="3600">
+                <a:solidFill>
+                  <a:srgbClr val="000000"/>
+                </a:solidFill>
+                <a:latin typeface="Monaco"/>
+                <a:ea typeface="Monaco"/>
+                <a:cs typeface="Monaco"/>
+                <a:sym typeface="Monaco"/>
+              </a:defRPr>
+            </a:pPr>
+            <a:r>
+              <a:t>操作 2 x   : 从点x出发，只能走过 边权 &lt; limit 的边，查询最多到达几个点</a:t>
+            </a:r>
+          </a:p>
+          <a:p>
+            <a:pPr algn="l" defTabSz="457200">
+              <a:defRPr sz="3600">
+                <a:solidFill>
+                  <a:srgbClr val="000000"/>
+                </a:solidFill>
+                <a:latin typeface="Monaco"/>
+                <a:ea typeface="Monaco"/>
+                <a:cs typeface="Monaco"/>
+                <a:sym typeface="Monaco"/>
+              </a:defRPr>
+            </a:pPr>
+            <a:r>
+              <a:t>操作 3 x y : 第x条边的边权修改为y，不是立刻生效，等到下次操作1发生时生效</a:t>
+            </a:r>
+          </a:p>
+          <a:p>
+            <a:pPr algn="l" defTabSz="457200">
+              <a:defRPr sz="3600">
+                <a:solidFill>
+                  <a:srgbClr val="000000"/>
+                </a:solidFill>
+                <a:latin typeface="Monaco"/>
+                <a:ea typeface="Monaco"/>
+                <a:cs typeface="Monaco"/>
+                <a:sym typeface="Monaco"/>
+              </a:defRPr>
+            </a:pPr>
+            <a:r>
+              <a:t>题目保证边权不管如何修改，所有边权都不相等，并且每条边的边权排名不发生变化</a:t>
             </a:r>
           </a:p>
           <a:p>

--- a/ppt/算法讲解164【挺难】Kruskal重构树的原理和相关题目.pptx
+++ b/ppt/算法讲解164【挺难】Kruskal重构树的原理和相关题目.pptx
@@ -5819,7 +5819,7 @@
               </a:defRPr>
             </a:pPr>
             <a:r>
-              <a:t>Kruskal重构树 + 重构树上每个节点建立叶节点数量的信息</a:t>
+              <a:t>收集修改操作统一生效 + Kruskal重构树 + 重构树上每个节点建立叶节点数量的信息</a:t>
             </a:r>
           </a:p>
         </p:txBody>

--- a/ppt/算法讲解164【挺难】Kruskal重构树的原理和相关题目.pptx
+++ b/ppt/算法讲解164【挺难】Kruskal重构树的原理和相关题目.pptx
@@ -5719,7 +5719,7 @@
               </a:defRPr>
             </a:pPr>
             <a:r>
-              <a:t>操作 2 x   : 从点x出发，只能走过 边权 &lt; limit 的边，查询最多到达几个点</a:t>
+              <a:t>操作 2 x   : 从点x出发，只能走 边权 &gt;= limit 的边，查询最多到达几个点</a:t>
             </a:r>
           </a:p>
           <a:p>
@@ -6370,103 +6370,103 @@
               </a:defRPr>
             </a:pPr>
             <a:r>
-              <a:t>图里有n个点，m条无向边，每条边给定长度l和海拔a，所有点都连通</a:t>
-            </a:r>
-          </a:p>
-          <a:p>
-            <a:pPr algn="l" defTabSz="457200">
-              <a:defRPr sz="3600">
-                <a:solidFill>
-                  <a:srgbClr val="000000"/>
-                </a:solidFill>
-                <a:latin typeface="Monaco"/>
-                <a:ea typeface="Monaco"/>
-                <a:cs typeface="Monaco"/>
-                <a:sym typeface="Monaco"/>
-              </a:defRPr>
-            </a:pPr>
-            <a:r>
-              <a:t>一共有q条查询，查询格式如下</a:t>
-            </a:r>
-          </a:p>
-          <a:p>
-            <a:pPr algn="l" defTabSz="457200">
-              <a:defRPr sz="3600">
-                <a:solidFill>
-                  <a:srgbClr val="000000"/>
-                </a:solidFill>
-                <a:latin typeface="Monaco"/>
-                <a:ea typeface="Monaco"/>
-                <a:cs typeface="Monaco"/>
-                <a:sym typeface="Monaco"/>
-              </a:defRPr>
-            </a:pPr>
-            <a:r>
-              <a:t>查询 x y : 海拔 &gt; y的边，走过没有代价</a:t>
-            </a:r>
-          </a:p>
-          <a:p>
-            <a:pPr algn="l" defTabSz="457200">
-              <a:defRPr sz="3600">
-                <a:solidFill>
-                  <a:srgbClr val="000000"/>
-                </a:solidFill>
-                <a:latin typeface="Monaco"/>
-                <a:ea typeface="Monaco"/>
-                <a:cs typeface="Monaco"/>
-                <a:sym typeface="Monaco"/>
-              </a:defRPr>
-            </a:pPr>
-            <a:r>
-              <a:t>           海拔 &lt;= y的边，走过的代价为边的长度</a:t>
-            </a:r>
-          </a:p>
-          <a:p>
-            <a:pPr algn="l" defTabSz="457200">
-              <a:defRPr sz="3600">
-                <a:solidFill>
-                  <a:srgbClr val="000000"/>
-                </a:solidFill>
-                <a:latin typeface="Monaco"/>
-                <a:ea typeface="Monaco"/>
-                <a:cs typeface="Monaco"/>
-                <a:sym typeface="Monaco"/>
-              </a:defRPr>
-            </a:pPr>
-            <a:r>
-              <a:t>           从点x出发到达1号点，打印最小的代价</a:t>
-            </a:r>
-          </a:p>
-          <a:p>
-            <a:pPr algn="l" defTabSz="457200">
-              <a:defRPr sz="3600">
-                <a:solidFill>
-                  <a:srgbClr val="000000"/>
-                </a:solidFill>
-                <a:latin typeface="Monaco"/>
-                <a:ea typeface="Monaco"/>
-                <a:cs typeface="Monaco"/>
-                <a:sym typeface="Monaco"/>
-              </a:defRPr>
-            </a:pPr>
-            <a:r>
-              <a:t>1 &lt;= n &lt;= 2 * 10^5</a:t>
-            </a:r>
-          </a:p>
-          <a:p>
-            <a:pPr algn="l" defTabSz="457200">
-              <a:defRPr sz="3600">
-                <a:solidFill>
-                  <a:srgbClr val="000000"/>
-                </a:solidFill>
-                <a:latin typeface="Monaco"/>
-                <a:ea typeface="Monaco"/>
-                <a:cs typeface="Monaco"/>
-                <a:sym typeface="Monaco"/>
-              </a:defRPr>
-            </a:pPr>
-            <a:r>
-              <a:t>1 &lt;= m、q &lt;= 4 * 10^5</a:t>
+              <a:t>一共有n个点，m条无向边，原图连通，每条边有长度l和海拔a</a:t>
+            </a:r>
+          </a:p>
+          <a:p>
+            <a:pPr algn="l" defTabSz="457200">
+              <a:defRPr sz="3600">
+                <a:solidFill>
+                  <a:srgbClr val="000000"/>
+                </a:solidFill>
+                <a:latin typeface="Monaco"/>
+                <a:ea typeface="Monaco"/>
+                <a:cs typeface="Monaco"/>
+                <a:sym typeface="Monaco"/>
+              </a:defRPr>
+            </a:pPr>
+            <a:r>
+              <a:t>一共有q条查询，格式如下</a:t>
+            </a:r>
+          </a:p>
+          <a:p>
+            <a:pPr algn="l" defTabSz="457200">
+              <a:defRPr sz="3600">
+                <a:solidFill>
+                  <a:srgbClr val="000000"/>
+                </a:solidFill>
+                <a:latin typeface="Monaco"/>
+                <a:ea typeface="Monaco"/>
+                <a:cs typeface="Monaco"/>
+                <a:sym typeface="Monaco"/>
+              </a:defRPr>
+            </a:pPr>
+            <a:r>
+              <a:t>查询 x y : 起初走过海拔 &gt; y的边免费，可视为开车，但是车不能走海拔 &lt;= y的边</a:t>
+            </a:r>
+          </a:p>
+          <a:p>
+            <a:pPr algn="l" defTabSz="457200">
+              <a:defRPr sz="3600">
+                <a:solidFill>
+                  <a:srgbClr val="000000"/>
+                </a:solidFill>
+                <a:latin typeface="Monaco"/>
+                <a:ea typeface="Monaco"/>
+                <a:cs typeface="Monaco"/>
+                <a:sym typeface="Monaco"/>
+              </a:defRPr>
+            </a:pPr>
+            <a:r>
+              <a:t>           你可以在任意节点下车，车不能再用</a:t>
+            </a:r>
+          </a:p>
+          <a:p>
+            <a:pPr algn="l" defTabSz="457200">
+              <a:defRPr sz="3600">
+                <a:solidFill>
+                  <a:srgbClr val="000000"/>
+                </a:solidFill>
+                <a:latin typeface="Monaco"/>
+                <a:ea typeface="Monaco"/>
+                <a:cs typeface="Monaco"/>
+                <a:sym typeface="Monaco"/>
+              </a:defRPr>
+            </a:pPr>
+            <a:r>
+              <a:t>           下车后经过每条边的长度(包括海拔 &gt; y 的边)，都算入步行长度</a:t>
+            </a:r>
+          </a:p>
+          <a:p>
+            <a:pPr algn="l" defTabSz="457200">
+              <a:defRPr sz="3600">
+                <a:solidFill>
+                  <a:srgbClr val="000000"/>
+                </a:solidFill>
+                <a:latin typeface="Monaco"/>
+                <a:ea typeface="Monaco"/>
+                <a:cs typeface="Monaco"/>
+                <a:sym typeface="Monaco"/>
+              </a:defRPr>
+            </a:pPr>
+            <a:r>
+              <a:t>           你想从点x到1号点，打印最小步行长度</a:t>
+            </a:r>
+          </a:p>
+          <a:p>
+            <a:pPr algn="l" defTabSz="457200">
+              <a:defRPr sz="3600">
+                <a:solidFill>
+                  <a:srgbClr val="000000"/>
+                </a:solidFill>
+                <a:latin typeface="Monaco"/>
+                <a:ea typeface="Monaco"/>
+                <a:cs typeface="Monaco"/>
+                <a:sym typeface="Monaco"/>
+              </a:defRPr>
+            </a:pPr>
+            <a:r>
+              <a:t>1 &lt;= n &lt;= 2 * 10^5    1 &lt;= m、q &lt;= 4 * 10^5</a:t>
             </a:r>
           </a:p>
           <a:p>
@@ -6506,6 +6506,19 @@
               </a:rPr>
               <a:t>https://www.luogu.com.cn/problem/P4768</a:t>
             </a:r>
+          </a:p>
+          <a:p>
+            <a:pPr algn="l" defTabSz="457200">
+              <a:defRPr sz="3600">
+                <a:solidFill>
+                  <a:srgbClr val="000000"/>
+                </a:solidFill>
+                <a:latin typeface="Monaco"/>
+                <a:ea typeface="Monaco"/>
+                <a:cs typeface="Monaco"/>
+                <a:sym typeface="Monaco"/>
+              </a:defRPr>
+            </a:pPr>
           </a:p>
           <a:p>
             <a:pPr algn="l" defTabSz="457200">
